--- a/intro.labbench/images/IntroLabBench_Images.pptx
+++ b/intro.labbench/images/IntroLabBench_Images.pptx
@@ -218,7 +218,7 @@
           <a:p>
             <a:fld id="{2D646BAE-8E37-4DBA-A74E-0A3DD4A9F90C}" type="datetimeFigureOut">
               <a:rPr lang="en-DK" smtClean="0"/>
-              <a:t>21/02/2026</a:t>
+              <a:t>22/02/2026</a:t>
             </a:fld>
             <a:endParaRPr lang="en-DK"/>
           </a:p>
@@ -1407,7 +1407,7 @@
           <a:p>
             <a:fld id="{D4C52B10-47AD-4490-8483-919970C343B2}" type="datetimeFigureOut">
               <a:rPr lang="en-DK" smtClean="0"/>
-              <a:t>21/02/2026</a:t>
+              <a:t>22/02/2026</a:t>
             </a:fld>
             <a:endParaRPr lang="en-DK"/>
           </a:p>
@@ -1607,7 +1607,7 @@
           <a:p>
             <a:fld id="{D4C52B10-47AD-4490-8483-919970C343B2}" type="datetimeFigureOut">
               <a:rPr lang="en-DK" smtClean="0"/>
-              <a:t>21/02/2026</a:t>
+              <a:t>22/02/2026</a:t>
             </a:fld>
             <a:endParaRPr lang="en-DK"/>
           </a:p>
@@ -1817,7 +1817,7 @@
           <a:p>
             <a:fld id="{D4C52B10-47AD-4490-8483-919970C343B2}" type="datetimeFigureOut">
               <a:rPr lang="en-DK" smtClean="0"/>
-              <a:t>21/02/2026</a:t>
+              <a:t>22/02/2026</a:t>
             </a:fld>
             <a:endParaRPr lang="en-DK"/>
           </a:p>
@@ -2017,7 +2017,7 @@
           <a:p>
             <a:fld id="{D4C52B10-47AD-4490-8483-919970C343B2}" type="datetimeFigureOut">
               <a:rPr lang="en-DK" smtClean="0"/>
-              <a:t>21/02/2026</a:t>
+              <a:t>22/02/2026</a:t>
             </a:fld>
             <a:endParaRPr lang="en-DK"/>
           </a:p>
@@ -2293,7 +2293,7 @@
           <a:p>
             <a:fld id="{D4C52B10-47AD-4490-8483-919970C343B2}" type="datetimeFigureOut">
               <a:rPr lang="en-DK" smtClean="0"/>
-              <a:t>21/02/2026</a:t>
+              <a:t>22/02/2026</a:t>
             </a:fld>
             <a:endParaRPr lang="en-DK"/>
           </a:p>
@@ -2561,7 +2561,7 @@
           <a:p>
             <a:fld id="{D4C52B10-47AD-4490-8483-919970C343B2}" type="datetimeFigureOut">
               <a:rPr lang="en-DK" smtClean="0"/>
-              <a:t>21/02/2026</a:t>
+              <a:t>22/02/2026</a:t>
             </a:fld>
             <a:endParaRPr lang="en-DK"/>
           </a:p>
@@ -2976,7 +2976,7 @@
           <a:p>
             <a:fld id="{D4C52B10-47AD-4490-8483-919970C343B2}" type="datetimeFigureOut">
               <a:rPr lang="en-DK" smtClean="0"/>
-              <a:t>21/02/2026</a:t>
+              <a:t>22/02/2026</a:t>
             </a:fld>
             <a:endParaRPr lang="en-DK"/>
           </a:p>
@@ -3118,7 +3118,7 @@
           <a:p>
             <a:fld id="{D4C52B10-47AD-4490-8483-919970C343B2}" type="datetimeFigureOut">
               <a:rPr lang="en-DK" smtClean="0"/>
-              <a:t>21/02/2026</a:t>
+              <a:t>22/02/2026</a:t>
             </a:fld>
             <a:endParaRPr lang="en-DK"/>
           </a:p>
@@ -3231,7 +3231,7 @@
           <a:p>
             <a:fld id="{D4C52B10-47AD-4490-8483-919970C343B2}" type="datetimeFigureOut">
               <a:rPr lang="en-DK" smtClean="0"/>
-              <a:t>21/02/2026</a:t>
+              <a:t>22/02/2026</a:t>
             </a:fld>
             <a:endParaRPr lang="en-DK"/>
           </a:p>
@@ -3544,7 +3544,7 @@
           <a:p>
             <a:fld id="{D4C52B10-47AD-4490-8483-919970C343B2}" type="datetimeFigureOut">
               <a:rPr lang="en-DK" smtClean="0"/>
-              <a:t>21/02/2026</a:t>
+              <a:t>22/02/2026</a:t>
             </a:fld>
             <a:endParaRPr lang="en-DK"/>
           </a:p>
@@ -3833,7 +3833,7 @@
           <a:p>
             <a:fld id="{D4C52B10-47AD-4490-8483-919970C343B2}" type="datetimeFigureOut">
               <a:rPr lang="en-DK" smtClean="0"/>
-              <a:t>21/02/2026</a:t>
+              <a:t>22/02/2026</a:t>
             </a:fld>
             <a:endParaRPr lang="en-DK"/>
           </a:p>
@@ -4076,7 +4076,7 @@
           <a:p>
             <a:fld id="{D4C52B10-47AD-4490-8483-919970C343B2}" type="datetimeFigureOut">
               <a:rPr lang="en-DK" smtClean="0"/>
-              <a:t>21/02/2026</a:t>
+              <a:t>22/02/2026</a:t>
             </a:fld>
             <a:endParaRPr lang="en-DK"/>
           </a:p>
@@ -9852,288 +9852,6 @@
           </p:txBody>
         </p:sp>
       </p:grpSp>
-      <p:pic>
-        <p:nvPicPr>
-          <p:cNvPr id="2051" name="Picture 2">
-            <a:extLst>
-              <a:ext uri="{FF2B5EF4-FFF2-40B4-BE49-F238E27FC236}">
-                <a16:creationId xmlns:a16="http://schemas.microsoft.com/office/drawing/2014/main" id="{E5DF2A0B-958C-BF86-31FE-A5925EEE13DA}"/>
-              </a:ext>
-            </a:extLst>
-          </p:cNvPr>
-          <p:cNvPicPr>
-            <a:picLocks noChangeAspect="1" noChangeArrowheads="1"/>
-          </p:cNvPicPr>
-          <p:nvPr/>
-        </p:nvPicPr>
-        <p:blipFill>
-          <a:blip r:embed="rId3">
-            <a:extLst>
-              <a:ext uri="{28A0092B-C50C-407E-A947-70E740481C1C}">
-                <a14:useLocalDpi xmlns:a14="http://schemas.microsoft.com/office/drawing/2010/main" val="0"/>
-              </a:ext>
-            </a:extLst>
-          </a:blip>
-          <a:srcRect l="14827" t="17624" r="13693" b="5556"/>
-          <a:stretch>
-            <a:fillRect/>
-          </a:stretch>
-        </p:blipFill>
-        <p:spPr bwMode="auto">
-          <a:xfrm>
-            <a:off x="0" y="0"/>
-            <a:ext cx="542925" cy="514350"/>
-          </a:xfrm>
-          <a:prstGeom prst="rect">
-            <a:avLst/>
-          </a:prstGeom>
-          <a:noFill/>
-          <a:extLst>
-            <a:ext uri="{909E8E84-426E-40DD-AFC4-6F175D3DCCD1}">
-              <a14:hiddenFill xmlns:a14="http://schemas.microsoft.com/office/drawing/2010/main">
-                <a:solidFill>
-                  <a:srgbClr val="FFFFFF"/>
-                </a:solidFill>
-              </a14:hiddenFill>
-            </a:ext>
-          </a:extLst>
-        </p:spPr>
-      </p:pic>
-      <p:pic>
-        <p:nvPicPr>
-          <p:cNvPr id="2050" name="Picture 4">
-            <a:extLst>
-              <a:ext uri="{FF2B5EF4-FFF2-40B4-BE49-F238E27FC236}">
-                <a16:creationId xmlns:a16="http://schemas.microsoft.com/office/drawing/2014/main" id="{BE002B4A-2DDA-E60C-6CCB-B515234CA932}"/>
-              </a:ext>
-            </a:extLst>
-          </p:cNvPr>
-          <p:cNvPicPr>
-            <a:picLocks noChangeAspect="1" noChangeArrowheads="1"/>
-          </p:cNvPicPr>
-          <p:nvPr/>
-        </p:nvPicPr>
-        <p:blipFill>
-          <a:blip r:embed="rId4">
-            <a:extLst>
-              <a:ext uri="{28A0092B-C50C-407E-A947-70E740481C1C}">
-                <a14:useLocalDpi xmlns:a14="http://schemas.microsoft.com/office/drawing/2010/main" val="0"/>
-              </a:ext>
-            </a:extLst>
-          </a:blip>
-          <a:srcRect l="18694" t="19337" r="11800"/>
-          <a:stretch>
-            <a:fillRect/>
-          </a:stretch>
-        </p:blipFill>
-        <p:spPr bwMode="auto">
-          <a:xfrm>
-            <a:off x="0" y="0"/>
-            <a:ext cx="542925" cy="514350"/>
-          </a:xfrm>
-          <a:prstGeom prst="rect">
-            <a:avLst/>
-          </a:prstGeom>
-          <a:noFill/>
-          <a:extLst>
-            <a:ext uri="{909E8E84-426E-40DD-AFC4-6F175D3DCCD1}">
-              <a14:hiddenFill xmlns:a14="http://schemas.microsoft.com/office/drawing/2010/main">
-                <a:solidFill>
-                  <a:srgbClr val="FFFFFF"/>
-                </a:solidFill>
-              </a14:hiddenFill>
-            </a:ext>
-          </a:extLst>
-        </p:spPr>
-      </p:pic>
-      <p:pic>
-        <p:nvPicPr>
-          <p:cNvPr id="2049" name="Picture 6">
-            <a:extLst>
-              <a:ext uri="{FF2B5EF4-FFF2-40B4-BE49-F238E27FC236}">
-                <a16:creationId xmlns:a16="http://schemas.microsoft.com/office/drawing/2014/main" id="{B61BE23C-1429-AEEF-EF88-732877996C7A}"/>
-              </a:ext>
-            </a:extLst>
-          </p:cNvPr>
-          <p:cNvPicPr>
-            <a:picLocks noChangeAspect="1" noChangeArrowheads="1"/>
-          </p:cNvPicPr>
-          <p:nvPr/>
-        </p:nvPicPr>
-        <p:blipFill>
-          <a:blip r:embed="rId5">
-            <a:extLst>
-              <a:ext uri="{28A0092B-C50C-407E-A947-70E740481C1C}">
-                <a14:useLocalDpi xmlns:a14="http://schemas.microsoft.com/office/drawing/2010/main" val="0"/>
-              </a:ext>
-            </a:extLst>
-          </a:blip>
-          <a:srcRect l="17607" t="18272" r="13361" b="5511"/>
-          <a:stretch>
-            <a:fillRect/>
-          </a:stretch>
-        </p:blipFill>
-        <p:spPr bwMode="auto">
-          <a:xfrm>
-            <a:off x="0" y="0"/>
-            <a:ext cx="542925" cy="514350"/>
-          </a:xfrm>
-          <a:prstGeom prst="rect">
-            <a:avLst/>
-          </a:prstGeom>
-          <a:noFill/>
-          <a:extLst>
-            <a:ext uri="{909E8E84-426E-40DD-AFC4-6F175D3DCCD1}">
-              <a14:hiddenFill xmlns:a14="http://schemas.microsoft.com/office/drawing/2010/main">
-                <a:solidFill>
-                  <a:srgbClr val="FFFFFF"/>
-                </a:solidFill>
-              </a14:hiddenFill>
-            </a:ext>
-          </a:extLst>
-        </p:spPr>
-      </p:pic>
-      <p:pic>
-        <p:nvPicPr>
-          <p:cNvPr id="2054" name="Picture 6">
-            <a:extLst>
-              <a:ext uri="{FF2B5EF4-FFF2-40B4-BE49-F238E27FC236}">
-                <a16:creationId xmlns:a16="http://schemas.microsoft.com/office/drawing/2014/main" id="{9CFC60F9-D72E-1B11-E2B7-EEC33D8F03E6}"/>
-              </a:ext>
-            </a:extLst>
-          </p:cNvPr>
-          <p:cNvPicPr>
-            <a:picLocks noChangeAspect="1" noChangeArrowheads="1"/>
-          </p:cNvPicPr>
-          <p:nvPr/>
-        </p:nvPicPr>
-        <p:blipFill>
-          <a:blip r:embed="rId3">
-            <a:extLst>
-              <a:ext uri="{28A0092B-C50C-407E-A947-70E740481C1C}">
-                <a14:useLocalDpi xmlns:a14="http://schemas.microsoft.com/office/drawing/2010/main" val="0"/>
-              </a:ext>
-            </a:extLst>
-          </a:blip>
-          <a:srcRect l="14827" t="17624" r="13693" b="5556"/>
-          <a:stretch>
-            <a:fillRect/>
-          </a:stretch>
-        </p:blipFill>
-        <p:spPr bwMode="auto">
-          <a:xfrm>
-            <a:off x="0" y="0"/>
-            <a:ext cx="542925" cy="514350"/>
-          </a:xfrm>
-          <a:prstGeom prst="rect">
-            <a:avLst/>
-          </a:prstGeom>
-          <a:noFill/>
-          <a:extLst>
-            <a:ext uri="{909E8E84-426E-40DD-AFC4-6F175D3DCCD1}">
-              <a14:hiddenFill xmlns:a14="http://schemas.microsoft.com/office/drawing/2010/main">
-                <a:solidFill>
-                  <a:srgbClr val="FFFFFF"/>
-                </a:solidFill>
-              </a14:hiddenFill>
-            </a:ext>
-          </a:extLst>
-        </p:spPr>
-      </p:pic>
-      <p:pic>
-        <p:nvPicPr>
-          <p:cNvPr id="2053" name="Picture 5">
-            <a:extLst>
-              <a:ext uri="{FF2B5EF4-FFF2-40B4-BE49-F238E27FC236}">
-                <a16:creationId xmlns:a16="http://schemas.microsoft.com/office/drawing/2014/main" id="{8BD2B486-415B-F8D7-25EE-6B500D190AB7}"/>
-              </a:ext>
-            </a:extLst>
-          </p:cNvPr>
-          <p:cNvPicPr>
-            <a:picLocks noChangeAspect="1" noChangeArrowheads="1"/>
-          </p:cNvPicPr>
-          <p:nvPr/>
-        </p:nvPicPr>
-        <p:blipFill>
-          <a:blip r:embed="rId4">
-            <a:extLst>
-              <a:ext uri="{28A0092B-C50C-407E-A947-70E740481C1C}">
-                <a14:useLocalDpi xmlns:a14="http://schemas.microsoft.com/office/drawing/2010/main" val="0"/>
-              </a:ext>
-            </a:extLst>
-          </a:blip>
-          <a:srcRect l="18694" t="19337" r="11800"/>
-          <a:stretch>
-            <a:fillRect/>
-          </a:stretch>
-        </p:blipFill>
-        <p:spPr bwMode="auto">
-          <a:xfrm>
-            <a:off x="0" y="0"/>
-            <a:ext cx="542925" cy="514350"/>
-          </a:xfrm>
-          <a:prstGeom prst="rect">
-            <a:avLst/>
-          </a:prstGeom>
-          <a:noFill/>
-          <a:extLst>
-            <a:ext uri="{909E8E84-426E-40DD-AFC4-6F175D3DCCD1}">
-              <a14:hiddenFill xmlns:a14="http://schemas.microsoft.com/office/drawing/2010/main">
-                <a:solidFill>
-                  <a:srgbClr val="FFFFFF"/>
-                </a:solidFill>
-              </a14:hiddenFill>
-            </a:ext>
-          </a:extLst>
-        </p:spPr>
-      </p:pic>
-      <p:pic>
-        <p:nvPicPr>
-          <p:cNvPr id="2052" name="Picture 4">
-            <a:extLst>
-              <a:ext uri="{FF2B5EF4-FFF2-40B4-BE49-F238E27FC236}">
-                <a16:creationId xmlns:a16="http://schemas.microsoft.com/office/drawing/2014/main" id="{ED39ECA6-1FAC-6532-A3C0-84670ACE9EDE}"/>
-              </a:ext>
-            </a:extLst>
-          </p:cNvPr>
-          <p:cNvPicPr>
-            <a:picLocks noChangeAspect="1" noChangeArrowheads="1"/>
-          </p:cNvPicPr>
-          <p:nvPr/>
-        </p:nvPicPr>
-        <p:blipFill>
-          <a:blip r:embed="rId5">
-            <a:extLst>
-              <a:ext uri="{28A0092B-C50C-407E-A947-70E740481C1C}">
-                <a14:useLocalDpi xmlns:a14="http://schemas.microsoft.com/office/drawing/2010/main" val="0"/>
-              </a:ext>
-            </a:extLst>
-          </a:blip>
-          <a:srcRect l="17607" t="18272" r="13361" b="5511"/>
-          <a:stretch>
-            <a:fillRect/>
-          </a:stretch>
-        </p:blipFill>
-        <p:spPr bwMode="auto">
-          <a:xfrm>
-            <a:off x="0" y="0"/>
-            <a:ext cx="542925" cy="514350"/>
-          </a:xfrm>
-          <a:prstGeom prst="rect">
-            <a:avLst/>
-          </a:prstGeom>
-          <a:noFill/>
-          <a:extLst>
-            <a:ext uri="{909E8E84-426E-40DD-AFC4-6F175D3DCCD1}">
-              <a14:hiddenFill xmlns:a14="http://schemas.microsoft.com/office/drawing/2010/main">
-                <a:solidFill>
-                  <a:srgbClr val="FFFFFF"/>
-                </a:solidFill>
-              </a14:hiddenFill>
-            </a:ext>
-          </a:extLst>
-        </p:spPr>
-      </p:pic>
     </p:spTree>
     <p:extLst>
       <p:ext uri="{BB962C8B-B14F-4D97-AF65-F5344CB8AC3E}">
